--- a/Capstone/Determining Features for Increasing Hospital Returns.pptx
+++ b/Capstone/Determining Features for Increasing Hospital Returns.pptx
@@ -225,7 +225,7 @@
           <a:p>
             <a:fld id="{B56F32FC-4BD9-442A-A8C6-51598C909FE3}" type="datetimeFigureOut">
               <a:rPr lang="en-US" smtClean="0"/>
-              <a:t>5/31/2023</a:t>
+              <a:t>6/5/2023</a:t>
             </a:fld>
             <a:endParaRPr lang="en-US" dirty="0"/>
           </a:p>
@@ -402,7 +402,7 @@
           <a:p>
             <a:fld id="{056371FA-A98D-41E8-93F4-09945841298A}" type="datetimeFigureOut">
               <a:rPr lang="en-US" smtClean="0"/>
-              <a:t>5/31/2023</a:t>
+              <a:t>6/5/2023</a:t>
             </a:fld>
             <a:endParaRPr lang="en-US" dirty="0"/>
           </a:p>
@@ -9703,7 +9703,7 @@
           <a:p>
             <a:r>
               <a:rPr lang="en-US" dirty="0"/>
-              <a:t>Accuracy Improvements</a:t>
+              <a:t>Improvements on Ability</a:t>
             </a:r>
           </a:p>
         </p:txBody>
@@ -9913,107 +9913,6 @@
               <a:rPr lang="en-US" dirty="0"/>
               <a:t>Utilize other insurance company datasets, alongside Medicare data</a:t>
             </a:r>
-          </a:p>
-        </p:txBody>
-      </p:sp>
-      <p:sp>
-        <p:nvSpPr>
-          <p:cNvPr id="16" name="Date Placeholder 15">
-            <a:extLst>
-              <a:ext uri="{FF2B5EF4-FFF2-40B4-BE49-F238E27FC236}">
-                <a16:creationId xmlns:a16="http://schemas.microsoft.com/office/drawing/2014/main" id="{24238BD7-9B10-4E64-B1B4-FDE6DD70AA60}"/>
-              </a:ext>
-            </a:extLst>
-          </p:cNvPr>
-          <p:cNvSpPr>
-            <a:spLocks noGrp="1"/>
-          </p:cNvSpPr>
-          <p:nvPr>
-            <p:ph type="dt" sz="half" idx="10"/>
-          </p:nvPr>
-        </p:nvSpPr>
-        <p:spPr>
-          <a:xfrm>
-            <a:off x="838200" y="6356350"/>
-            <a:ext cx="2743200" cy="365125"/>
-          </a:xfrm>
-        </p:spPr>
-        <p:txBody>
-          <a:bodyPr/>
-          <a:lstStyle/>
-          <a:p>
-            <a:r>
-              <a:rPr lang="en-US" dirty="0"/>
-              <a:t>20XX</a:t>
-            </a:r>
-          </a:p>
-        </p:txBody>
-      </p:sp>
-      <p:sp>
-        <p:nvSpPr>
-          <p:cNvPr id="17" name="Footer Placeholder 16">
-            <a:extLst>
-              <a:ext uri="{FF2B5EF4-FFF2-40B4-BE49-F238E27FC236}">
-                <a16:creationId xmlns:a16="http://schemas.microsoft.com/office/drawing/2014/main" id="{CD3D67B7-A821-49FC-94BE-19EDE9D319A5}"/>
-              </a:ext>
-            </a:extLst>
-          </p:cNvPr>
-          <p:cNvSpPr>
-            <a:spLocks noGrp="1"/>
-          </p:cNvSpPr>
-          <p:nvPr>
-            <p:ph type="ftr" sz="quarter" idx="11"/>
-          </p:nvPr>
-        </p:nvSpPr>
-        <p:spPr>
-          <a:xfrm>
-            <a:off x="6749143" y="6356350"/>
-            <a:ext cx="3775981" cy="365125"/>
-          </a:xfrm>
-        </p:spPr>
-        <p:txBody>
-          <a:bodyPr/>
-          <a:lstStyle/>
-          <a:p>
-            <a:r>
-              <a:rPr lang="en-US" dirty="0"/>
-              <a:t>PRESENTATION TITLE</a:t>
-            </a:r>
-          </a:p>
-        </p:txBody>
-      </p:sp>
-      <p:sp>
-        <p:nvSpPr>
-          <p:cNvPr id="18" name="Slide Number Placeholder 17">
-            <a:extLst>
-              <a:ext uri="{FF2B5EF4-FFF2-40B4-BE49-F238E27FC236}">
-                <a16:creationId xmlns:a16="http://schemas.microsoft.com/office/drawing/2014/main" id="{C8D6D0E8-3983-4B7D-ADB2-077E17AD3BD0}"/>
-              </a:ext>
-            </a:extLst>
-          </p:cNvPr>
-          <p:cNvSpPr>
-            <a:spLocks noGrp="1"/>
-          </p:cNvSpPr>
-          <p:nvPr>
-            <p:ph type="sldNum" sz="quarter" idx="12"/>
-          </p:nvPr>
-        </p:nvSpPr>
-        <p:spPr>
-          <a:xfrm>
-            <a:off x="10810874" y="6356350"/>
-            <a:ext cx="542925" cy="365125"/>
-          </a:xfrm>
-        </p:spPr>
-        <p:txBody>
-          <a:bodyPr/>
-          <a:lstStyle/>
-          <a:p>
-            <a:fld id="{A49DFD55-3C28-40EF-9E31-A92D2E4017FF}" type="slidenum">
-              <a:rPr lang="en-US" smtClean="0"/>
-              <a:pPr/>
-              <a:t>10</a:t>
-            </a:fld>
-            <a:endParaRPr lang="en-US" dirty="0"/>
           </a:p>
         </p:txBody>
       </p:sp>
@@ -12744,107 +12643,6 @@
           </a:graphicData>
         </a:graphic>
       </p:graphicFrame>
-      <p:sp>
-        <p:nvSpPr>
-          <p:cNvPr id="7" name="Date Placeholder 6">
-            <a:extLst>
-              <a:ext uri="{FF2B5EF4-FFF2-40B4-BE49-F238E27FC236}">
-                <a16:creationId xmlns:a16="http://schemas.microsoft.com/office/drawing/2014/main" id="{E7F1AE66-47AA-4110-86B9-0626D4953989}"/>
-              </a:ext>
-            </a:extLst>
-          </p:cNvPr>
-          <p:cNvSpPr>
-            <a:spLocks noGrp="1"/>
-          </p:cNvSpPr>
-          <p:nvPr>
-            <p:ph type="dt" sz="half" idx="10"/>
-          </p:nvPr>
-        </p:nvSpPr>
-        <p:spPr>
-          <a:xfrm>
-            <a:off x="838200" y="6356350"/>
-            <a:ext cx="2743200" cy="365125"/>
-          </a:xfrm>
-        </p:spPr>
-        <p:txBody>
-          <a:bodyPr/>
-          <a:lstStyle/>
-          <a:p>
-            <a:r>
-              <a:rPr lang="en-US" dirty="0"/>
-              <a:t>20XX</a:t>
-            </a:r>
-          </a:p>
-        </p:txBody>
-      </p:sp>
-      <p:sp>
-        <p:nvSpPr>
-          <p:cNvPr id="8" name="Footer Placeholder 7">
-            <a:extLst>
-              <a:ext uri="{FF2B5EF4-FFF2-40B4-BE49-F238E27FC236}">
-                <a16:creationId xmlns:a16="http://schemas.microsoft.com/office/drawing/2014/main" id="{8BA5A93F-DCAE-40B8-8E94-3239A1A6A21A}"/>
-              </a:ext>
-            </a:extLst>
-          </p:cNvPr>
-          <p:cNvSpPr>
-            <a:spLocks noGrp="1"/>
-          </p:cNvSpPr>
-          <p:nvPr>
-            <p:ph type="ftr" sz="quarter" idx="11"/>
-          </p:nvPr>
-        </p:nvSpPr>
-        <p:spPr>
-          <a:xfrm>
-            <a:off x="4038600" y="6356350"/>
-            <a:ext cx="4114800" cy="365125"/>
-          </a:xfrm>
-        </p:spPr>
-        <p:txBody>
-          <a:bodyPr/>
-          <a:lstStyle/>
-          <a:p>
-            <a:r>
-              <a:rPr lang="en-US" dirty="0"/>
-              <a:t>PRESENTATION TITLE</a:t>
-            </a:r>
-          </a:p>
-        </p:txBody>
-      </p:sp>
-      <p:sp>
-        <p:nvSpPr>
-          <p:cNvPr id="9" name="Slide Number Placeholder 8">
-            <a:extLst>
-              <a:ext uri="{FF2B5EF4-FFF2-40B4-BE49-F238E27FC236}">
-                <a16:creationId xmlns:a16="http://schemas.microsoft.com/office/drawing/2014/main" id="{03091613-153A-4005-9F4D-2F185AE5F7BF}"/>
-              </a:ext>
-            </a:extLst>
-          </p:cNvPr>
-          <p:cNvSpPr>
-            <a:spLocks noGrp="1"/>
-          </p:cNvSpPr>
-          <p:nvPr>
-            <p:ph type="sldNum" sz="quarter" idx="12"/>
-          </p:nvPr>
-        </p:nvSpPr>
-        <p:spPr>
-          <a:xfrm>
-            <a:off x="8610600" y="6356350"/>
-            <a:ext cx="2743200" cy="365125"/>
-          </a:xfrm>
-        </p:spPr>
-        <p:txBody>
-          <a:bodyPr/>
-          <a:lstStyle/>
-          <a:p>
-            <a:fld id="{A49DFD55-3C28-40EF-9E31-A92D2E4017FF}" type="slidenum">
-              <a:rPr lang="en-US" smtClean="0"/>
-              <a:pPr/>
-              <a:t>7</a:t>
-            </a:fld>
-            <a:endParaRPr lang="en-US" dirty="0"/>
-          </a:p>
-        </p:txBody>
-      </p:sp>
     </p:spTree>
     <p:extLst>
       <p:ext uri="{BB962C8B-B14F-4D97-AF65-F5344CB8AC3E}">
@@ -12903,73 +12701,7 @@
           <a:p>
             <a:r>
               <a:rPr lang="en-US" dirty="0"/>
-              <a:t>EDTA &amp; Model</a:t>
-            </a:r>
-          </a:p>
-        </p:txBody>
-      </p:sp>
-      <p:sp>
-        <p:nvSpPr>
-          <p:cNvPr id="6" name="Date Placeholder 5">
-            <a:extLst>
-              <a:ext uri="{FF2B5EF4-FFF2-40B4-BE49-F238E27FC236}">
-                <a16:creationId xmlns:a16="http://schemas.microsoft.com/office/drawing/2014/main" id="{3627CC26-34EF-4BB9-B289-9EC56B07D1E6}"/>
-              </a:ext>
-            </a:extLst>
-          </p:cNvPr>
-          <p:cNvSpPr>
-            <a:spLocks noGrp="1"/>
-          </p:cNvSpPr>
-          <p:nvPr>
-            <p:ph type="dt" sz="half" idx="10"/>
-          </p:nvPr>
-        </p:nvSpPr>
-        <p:spPr>
-          <a:xfrm>
-            <a:off x="838200" y="6356350"/>
-            <a:ext cx="2743200" cy="365125"/>
-          </a:xfrm>
-        </p:spPr>
-        <p:txBody>
-          <a:bodyPr/>
-          <a:lstStyle/>
-          <a:p>
-            <a:r>
-              <a:rPr lang="en-US" dirty="0"/>
-              <a:t>20XX</a:t>
-            </a:r>
-          </a:p>
-        </p:txBody>
-      </p:sp>
-      <p:sp>
-        <p:nvSpPr>
-          <p:cNvPr id="7" name="Footer Placeholder 6">
-            <a:extLst>
-              <a:ext uri="{FF2B5EF4-FFF2-40B4-BE49-F238E27FC236}">
-                <a16:creationId xmlns:a16="http://schemas.microsoft.com/office/drawing/2014/main" id="{4E98E6AD-9D37-499C-898E-ED12AC36D31D}"/>
-              </a:ext>
-            </a:extLst>
-          </p:cNvPr>
-          <p:cNvSpPr>
-            <a:spLocks noGrp="1"/>
-          </p:cNvSpPr>
-          <p:nvPr>
-            <p:ph type="ftr" sz="quarter" idx="11"/>
-          </p:nvPr>
-        </p:nvSpPr>
-        <p:spPr>
-          <a:xfrm>
-            <a:off x="4038600" y="6356350"/>
-            <a:ext cx="4114800" cy="365125"/>
-          </a:xfrm>
-        </p:spPr>
-        <p:txBody>
-          <a:bodyPr/>
-          <a:lstStyle/>
-          <a:p>
-            <a:r>
-              <a:rPr lang="en-US" dirty="0"/>
-              <a:t>PRESENTATION TITLE</a:t>
+              <a:t>EDA &amp; Model</a:t>
             </a:r>
           </a:p>
         </p:txBody>
@@ -13054,7 +12786,7 @@
         <p:spPr>
           <a:xfrm>
             <a:off x="481677" y="1626691"/>
-            <a:ext cx="6097190" cy="5355312"/>
+            <a:ext cx="6097190" cy="4801314"/>
           </a:xfrm>
           <a:prstGeom prst="rect">
             <a:avLst/>
@@ -13069,7 +12801,7 @@
           <a:p>
             <a:r>
               <a:rPr lang="en-US" dirty="0"/>
-              <a:t>EDTA</a:t>
+              <a:t>EDA</a:t>
             </a:r>
           </a:p>
           <a:p>
@@ -13142,7 +12874,7 @@
             </a:pPr>
             <a:r>
               <a:rPr lang="en-US" dirty="0"/>
-              <a:t>Different supervised learning were used (K-means clustering, Random Forest, Gradient boosted RF, </a:t>
+              <a:t>Supervised learning were used (Random Forest, Gradient boosted RF, </a:t>
             </a:r>
             <a:r>
               <a:rPr lang="en-US" dirty="0" err="1"/>
@@ -13187,20 +12919,6 @@
               <a:rPr lang="en-US" dirty="0"/>
               <a:t>Final Model: 79% accuracy, Random Forest Regressor</a:t>
             </a:r>
-          </a:p>
-          <a:p>
-            <a:pPr marL="285750" indent="-285750">
-              <a:buFontTx/>
-              <a:buChar char="-"/>
-            </a:pPr>
-            <a:endParaRPr lang="en-US" dirty="0"/>
-          </a:p>
-          <a:p>
-            <a:pPr marL="285750" indent="-285750">
-              <a:buFontTx/>
-              <a:buChar char="-"/>
-            </a:pPr>
-            <a:endParaRPr lang="en-US" dirty="0"/>
           </a:p>
           <a:p>
             <a:endParaRPr lang="en-US" dirty="0"/>
@@ -13267,107 +12985,6 @@
               <a:rPr lang="en-US" dirty="0"/>
               <a:t>Scenarios to Try:</a:t>
             </a:r>
-          </a:p>
-        </p:txBody>
-      </p:sp>
-      <p:sp>
-        <p:nvSpPr>
-          <p:cNvPr id="6" name="Date Placeholder 5">
-            <a:extLst>
-              <a:ext uri="{FF2B5EF4-FFF2-40B4-BE49-F238E27FC236}">
-                <a16:creationId xmlns:a16="http://schemas.microsoft.com/office/drawing/2014/main" id="{3627CC26-34EF-4BB9-B289-9EC56B07D1E6}"/>
-              </a:ext>
-            </a:extLst>
-          </p:cNvPr>
-          <p:cNvSpPr>
-            <a:spLocks noGrp="1"/>
-          </p:cNvSpPr>
-          <p:nvPr>
-            <p:ph type="dt" sz="half" idx="10"/>
-          </p:nvPr>
-        </p:nvSpPr>
-        <p:spPr>
-          <a:xfrm>
-            <a:off x="838200" y="6356350"/>
-            <a:ext cx="2743200" cy="365125"/>
-          </a:xfrm>
-        </p:spPr>
-        <p:txBody>
-          <a:bodyPr/>
-          <a:lstStyle/>
-          <a:p>
-            <a:r>
-              <a:rPr lang="en-US" dirty="0"/>
-              <a:t>20XX</a:t>
-            </a:r>
-          </a:p>
-        </p:txBody>
-      </p:sp>
-      <p:sp>
-        <p:nvSpPr>
-          <p:cNvPr id="7" name="Footer Placeholder 6">
-            <a:extLst>
-              <a:ext uri="{FF2B5EF4-FFF2-40B4-BE49-F238E27FC236}">
-                <a16:creationId xmlns:a16="http://schemas.microsoft.com/office/drawing/2014/main" id="{4E98E6AD-9D37-499C-898E-ED12AC36D31D}"/>
-              </a:ext>
-            </a:extLst>
-          </p:cNvPr>
-          <p:cNvSpPr>
-            <a:spLocks noGrp="1"/>
-          </p:cNvSpPr>
-          <p:nvPr>
-            <p:ph type="ftr" sz="quarter" idx="11"/>
-          </p:nvPr>
-        </p:nvSpPr>
-        <p:spPr>
-          <a:xfrm>
-            <a:off x="4038600" y="6356350"/>
-            <a:ext cx="4114800" cy="365125"/>
-          </a:xfrm>
-        </p:spPr>
-        <p:txBody>
-          <a:bodyPr/>
-          <a:lstStyle/>
-          <a:p>
-            <a:r>
-              <a:rPr lang="en-US" dirty="0"/>
-              <a:t>PRESENTATION TITLE</a:t>
-            </a:r>
-          </a:p>
-        </p:txBody>
-      </p:sp>
-      <p:sp>
-        <p:nvSpPr>
-          <p:cNvPr id="8" name="Slide Number Placeholder 7">
-            <a:extLst>
-              <a:ext uri="{FF2B5EF4-FFF2-40B4-BE49-F238E27FC236}">
-                <a16:creationId xmlns:a16="http://schemas.microsoft.com/office/drawing/2014/main" id="{92908AF9-2A07-4B50-BC13-471792106EC8}"/>
-              </a:ext>
-            </a:extLst>
-          </p:cNvPr>
-          <p:cNvSpPr>
-            <a:spLocks noGrp="1"/>
-          </p:cNvSpPr>
-          <p:nvPr>
-            <p:ph type="sldNum" sz="quarter" idx="12"/>
-          </p:nvPr>
-        </p:nvSpPr>
-        <p:spPr>
-          <a:xfrm>
-            <a:off x="8610600" y="6356350"/>
-            <a:ext cx="2743200" cy="365125"/>
-          </a:xfrm>
-        </p:spPr>
-        <p:txBody>
-          <a:bodyPr/>
-          <a:lstStyle/>
-          <a:p>
-            <a:fld id="{A49DFD55-3C28-40EF-9E31-A92D2E4017FF}" type="slidenum">
-              <a:rPr lang="en-US" smtClean="0"/>
-              <a:pPr/>
-              <a:t>9</a:t>
-            </a:fld>
-            <a:endParaRPr lang="en-US" dirty="0"/>
           </a:p>
         </p:txBody>
       </p:sp>
@@ -14607,12 +14224,22 @@
 </file>
 
 <file path=customXml/item1.xml><?xml version="1.0" encoding="utf-8"?>
-<?mso-contentType ?>
-<FormTemplates xmlns="http://schemas.microsoft.com/sharepoint/v3/contenttype/forms">
-  <Display>DocumentLibraryForm</Display>
-  <Edit>DocumentLibraryForm</Edit>
-  <New>DocumentLibraryForm</New>
-</FormTemplates>
+<p:properties xmlns:p="http://schemas.microsoft.com/office/2006/metadata/properties" xmlns:xsi="http://www.w3.org/2001/XMLSchema-instance" xmlns:pc="http://schemas.microsoft.com/office/infopath/2007/PartnerControls">
+  <documentManagement>
+    <_ip_UnifiedCompliancePolicyUIAction xmlns="http://schemas.microsoft.com/sharepoint/v3" xsi:nil="true"/>
+    <Image xmlns="71af3243-3dd4-4a8d-8c0d-dd76da1f02a5">
+      <Url xsi:nil="true"/>
+      <Description xsi:nil="true"/>
+    </Image>
+    <Status xmlns="71af3243-3dd4-4a8d-8c0d-dd76da1f02a5">Not started</Status>
+    <_ip_UnifiedCompliancePolicyProperties xmlns="http://schemas.microsoft.com/sharepoint/v3" xsi:nil="true"/>
+    <ImageTagsTaxHTField xmlns="71af3243-3dd4-4a8d-8c0d-dd76da1f02a5">
+      <Terms xmlns="http://schemas.microsoft.com/office/infopath/2007/PartnerControls"/>
+    </ImageTagsTaxHTField>
+    <TaxCatchAll xmlns="230e9df3-be65-4c73-a93b-d1236ebd677e"/>
+    <MediaServiceKeyPoints xmlns="71af3243-3dd4-4a8d-8c0d-dd76da1f02a5" xsi:nil="true"/>
+  </documentManagement>
+</p:properties>
 </file>
 
 <file path=customXml/item2.xml><?xml version="1.0" encoding="utf-8"?>
@@ -14892,28 +14519,22 @@
 </file>
 
 <file path=customXml/item3.xml><?xml version="1.0" encoding="utf-8"?>
-<p:properties xmlns:p="http://schemas.microsoft.com/office/2006/metadata/properties" xmlns:xsi="http://www.w3.org/2001/XMLSchema-instance" xmlns:pc="http://schemas.microsoft.com/office/infopath/2007/PartnerControls">
-  <documentManagement>
-    <_ip_UnifiedCompliancePolicyUIAction xmlns="http://schemas.microsoft.com/sharepoint/v3" xsi:nil="true"/>
-    <Image xmlns="71af3243-3dd4-4a8d-8c0d-dd76da1f02a5">
-      <Url xsi:nil="true"/>
-      <Description xsi:nil="true"/>
-    </Image>
-    <Status xmlns="71af3243-3dd4-4a8d-8c0d-dd76da1f02a5">Not started</Status>
-    <_ip_UnifiedCompliancePolicyProperties xmlns="http://schemas.microsoft.com/sharepoint/v3" xsi:nil="true"/>
-    <ImageTagsTaxHTField xmlns="71af3243-3dd4-4a8d-8c0d-dd76da1f02a5">
-      <Terms xmlns="http://schemas.microsoft.com/office/infopath/2007/PartnerControls"/>
-    </ImageTagsTaxHTField>
-    <TaxCatchAll xmlns="230e9df3-be65-4c73-a93b-d1236ebd677e"/>
-    <MediaServiceKeyPoints xmlns="71af3243-3dd4-4a8d-8c0d-dd76da1f02a5" xsi:nil="true"/>
-  </documentManagement>
-</p:properties>
+<?mso-contentType ?>
+<FormTemplates xmlns="http://schemas.microsoft.com/sharepoint/v3/contenttype/forms">
+  <Display>DocumentLibraryForm</Display>
+  <Edit>DocumentLibraryForm</Edit>
+  <New>DocumentLibraryForm</New>
+</FormTemplates>
 </file>
 
 <file path=customXml/itemProps1.xml><?xml version="1.0" encoding="utf-8"?>
-<ds:datastoreItem xmlns:ds="http://schemas.openxmlformats.org/officeDocument/2006/customXml" ds:itemID="{0FD6FE22-81A0-4500-AFD0-342D21BB9A2C}">
+<ds:datastoreItem xmlns:ds="http://schemas.openxmlformats.org/officeDocument/2006/customXml" ds:itemID="{29C43685-694E-4579-B109-3C418D49DA65}">
   <ds:schemaRefs>
-    <ds:schemaRef ds:uri="http://schemas.microsoft.com/sharepoint/v3/contenttype/forms"/>
+    <ds:schemaRef ds:uri="http://schemas.microsoft.com/office/2006/metadata/properties"/>
+    <ds:schemaRef ds:uri="http://schemas.microsoft.com/office/infopath/2007/PartnerControls"/>
+    <ds:schemaRef ds:uri="http://schemas.microsoft.com/sharepoint/v3"/>
+    <ds:schemaRef ds:uri="71af3243-3dd4-4a8d-8c0d-dd76da1f02a5"/>
+    <ds:schemaRef ds:uri="230e9df3-be65-4c73-a93b-d1236ebd677e"/>
   </ds:schemaRefs>
 </ds:datastoreItem>
 </file>
@@ -14940,13 +14561,9 @@
 </file>
 
 <file path=customXml/itemProps3.xml><?xml version="1.0" encoding="utf-8"?>
-<ds:datastoreItem xmlns:ds="http://schemas.openxmlformats.org/officeDocument/2006/customXml" ds:itemID="{29C43685-694E-4579-B109-3C418D49DA65}">
+<ds:datastoreItem xmlns:ds="http://schemas.openxmlformats.org/officeDocument/2006/customXml" ds:itemID="{0FD6FE22-81A0-4500-AFD0-342D21BB9A2C}">
   <ds:schemaRefs>
-    <ds:schemaRef ds:uri="http://schemas.microsoft.com/office/2006/metadata/properties"/>
-    <ds:schemaRef ds:uri="http://schemas.microsoft.com/office/infopath/2007/PartnerControls"/>
-    <ds:schemaRef ds:uri="http://schemas.microsoft.com/sharepoint/v3"/>
-    <ds:schemaRef ds:uri="71af3243-3dd4-4a8d-8c0d-dd76da1f02a5"/>
-    <ds:schemaRef ds:uri="230e9df3-be65-4c73-a93b-d1236ebd677e"/>
+    <ds:schemaRef ds:uri="http://schemas.microsoft.com/sharepoint/v3/contenttype/forms"/>
   </ds:schemaRefs>
 </ds:datastoreItem>
 </file>
